--- a/_posts/ithome/2021/28.儲存 Sklearn 訓練好的模型/28.儲存 Sklearn 訓練好的模型.pptx
+++ b/_posts/ithome/2021/28.儲存 Sklearn 訓練好的模型/28.儲存 Sklearn 訓練好的模型.pptx
@@ -199,7 +199,7 @@
           <a:p>
             <a:fld id="{40C04CA4-7907-3948-9BC4-365865D66545}" type="datetimeFigureOut">
               <a:rPr lang="en-TW" smtClean="0"/>
-              <a:t>2021/10/3</a:t>
+              <a:t>2021/10/10</a:t>
             </a:fld>
             <a:endParaRPr lang="en-TW"/>
           </a:p>
@@ -712,7 +712,7 @@
           <a:p>
             <a:fld id="{1ED16537-2D59-1B4D-A54B-B3D0AB04D807}" type="datetimeFigureOut">
               <a:rPr lang="en-TW" smtClean="0"/>
-              <a:t>2021/10/3</a:t>
+              <a:t>2021/10/10</a:t>
             </a:fld>
             <a:endParaRPr lang="en-TW"/>
           </a:p>
@@ -912,7 +912,7 @@
           <a:p>
             <a:fld id="{1ED16537-2D59-1B4D-A54B-B3D0AB04D807}" type="datetimeFigureOut">
               <a:rPr lang="en-TW" smtClean="0"/>
-              <a:t>2021/10/3</a:t>
+              <a:t>2021/10/10</a:t>
             </a:fld>
             <a:endParaRPr lang="en-TW"/>
           </a:p>
@@ -1122,7 +1122,7 @@
           <a:p>
             <a:fld id="{1ED16537-2D59-1B4D-A54B-B3D0AB04D807}" type="datetimeFigureOut">
               <a:rPr lang="en-TW" smtClean="0"/>
-              <a:t>2021/10/3</a:t>
+              <a:t>2021/10/10</a:t>
             </a:fld>
             <a:endParaRPr lang="en-TW"/>
           </a:p>
@@ -1322,7 +1322,7 @@
           <a:p>
             <a:fld id="{1ED16537-2D59-1B4D-A54B-B3D0AB04D807}" type="datetimeFigureOut">
               <a:rPr lang="en-TW" smtClean="0"/>
-              <a:t>2021/10/3</a:t>
+              <a:t>2021/10/10</a:t>
             </a:fld>
             <a:endParaRPr lang="en-TW"/>
           </a:p>
@@ -1598,7 +1598,7 @@
           <a:p>
             <a:fld id="{1ED16537-2D59-1B4D-A54B-B3D0AB04D807}" type="datetimeFigureOut">
               <a:rPr lang="en-TW" smtClean="0"/>
-              <a:t>2021/10/3</a:t>
+              <a:t>2021/10/10</a:t>
             </a:fld>
             <a:endParaRPr lang="en-TW"/>
           </a:p>
@@ -1866,7 +1866,7 @@
           <a:p>
             <a:fld id="{1ED16537-2D59-1B4D-A54B-B3D0AB04D807}" type="datetimeFigureOut">
               <a:rPr lang="en-TW" smtClean="0"/>
-              <a:t>2021/10/3</a:t>
+              <a:t>2021/10/10</a:t>
             </a:fld>
             <a:endParaRPr lang="en-TW"/>
           </a:p>
@@ -2281,7 +2281,7 @@
           <a:p>
             <a:fld id="{1ED16537-2D59-1B4D-A54B-B3D0AB04D807}" type="datetimeFigureOut">
               <a:rPr lang="en-TW" smtClean="0"/>
-              <a:t>2021/10/3</a:t>
+              <a:t>2021/10/10</a:t>
             </a:fld>
             <a:endParaRPr lang="en-TW"/>
           </a:p>
@@ -2423,7 +2423,7 @@
           <a:p>
             <a:fld id="{1ED16537-2D59-1B4D-A54B-B3D0AB04D807}" type="datetimeFigureOut">
               <a:rPr lang="en-TW" smtClean="0"/>
-              <a:t>2021/10/3</a:t>
+              <a:t>2021/10/10</a:t>
             </a:fld>
             <a:endParaRPr lang="en-TW"/>
           </a:p>
@@ -2536,7 +2536,7 @@
           <a:p>
             <a:fld id="{1ED16537-2D59-1B4D-A54B-B3D0AB04D807}" type="datetimeFigureOut">
               <a:rPr lang="en-TW" smtClean="0"/>
-              <a:t>2021/10/3</a:t>
+              <a:t>2021/10/10</a:t>
             </a:fld>
             <a:endParaRPr lang="en-TW"/>
           </a:p>
@@ -2849,7 +2849,7 @@
           <a:p>
             <a:fld id="{1ED16537-2D59-1B4D-A54B-B3D0AB04D807}" type="datetimeFigureOut">
               <a:rPr lang="en-TW" smtClean="0"/>
-              <a:t>2021/10/3</a:t>
+              <a:t>2021/10/10</a:t>
             </a:fld>
             <a:endParaRPr lang="en-TW"/>
           </a:p>
@@ -3138,7 +3138,7 @@
           <a:p>
             <a:fld id="{1ED16537-2D59-1B4D-A54B-B3D0AB04D807}" type="datetimeFigureOut">
               <a:rPr lang="en-TW" smtClean="0"/>
-              <a:t>2021/10/3</a:t>
+              <a:t>2021/10/10</a:t>
             </a:fld>
             <a:endParaRPr lang="en-TW"/>
           </a:p>
@@ -3381,7 +3381,7 @@
           <a:p>
             <a:fld id="{1ED16537-2D59-1B4D-A54B-B3D0AB04D807}" type="datetimeFigureOut">
               <a:rPr lang="en-TW" smtClean="0"/>
-              <a:t>2021/10/3</a:t>
+              <a:t>2021/10/10</a:t>
             </a:fld>
             <a:endParaRPr lang="en-TW"/>
           </a:p>
@@ -4157,7 +4157,7 @@
               <a:effectLst/>
               <a:extLst>
                 <a:ext uri="{C572A759-6A51-4108-AA02-DFA0A04FC94B}">
-                  <ma14:wrappingTextBoxFlag xmlns:ma14="http://schemas.microsoft.com/office/mac/drawingml/2011/main" xmlns:a14="http://schemas.microsoft.com/office/drawing/2010/main" xmlns:m="http://schemas.openxmlformats.org/officeDocument/2006/math" xmlns="" val="1"/>
+                  <ma14:wrappingTextBoxFlag xmlns="" xmlns:m="http://schemas.openxmlformats.org/officeDocument/2006/math" xmlns:a14="http://schemas.microsoft.com/office/drawing/2010/main" xmlns:ma14="http://schemas.microsoft.com/office/mac/drawingml/2011/main" val="1"/>
                 </a:ext>
               </a:extLst>
             </p:spPr>
@@ -4347,7 +4347,7 @@
               <a:effectLst/>
               <a:extLst>
                 <a:ext uri="{C572A759-6A51-4108-AA02-DFA0A04FC94B}">
-                  <ma14:wrappingTextBoxFlag xmlns:ma14="http://schemas.microsoft.com/office/mac/drawingml/2011/main" xmlns:a14="http://schemas.microsoft.com/office/drawing/2010/main" xmlns:m="http://schemas.openxmlformats.org/officeDocument/2006/math" xmlns="" val="1"/>
+                  <ma14:wrappingTextBoxFlag xmlns="" xmlns:m="http://schemas.openxmlformats.org/officeDocument/2006/math" xmlns:a14="http://schemas.microsoft.com/office/drawing/2010/main" xmlns:ma14="http://schemas.microsoft.com/office/mac/drawingml/2011/main" val="1"/>
                 </a:ext>
               </a:extLst>
             </p:spPr>
@@ -4562,7 +4562,7 @@
               <a:effectLst/>
               <a:extLst>
                 <a:ext uri="{C572A759-6A51-4108-AA02-DFA0A04FC94B}">
-                  <ma14:wrappingTextBoxFlag xmlns:ma14="http://schemas.microsoft.com/office/mac/drawingml/2011/main" xmlns:a14="http://schemas.microsoft.com/office/drawing/2010/main" xmlns:m="http://schemas.openxmlformats.org/officeDocument/2006/math" xmlns="" val="1"/>
+                  <ma14:wrappingTextBoxFlag xmlns="" xmlns:m="http://schemas.openxmlformats.org/officeDocument/2006/math" xmlns:a14="http://schemas.microsoft.com/office/drawing/2010/main" xmlns:ma14="http://schemas.microsoft.com/office/mac/drawingml/2011/main" val="1"/>
                 </a:ext>
               </a:extLst>
             </p:spPr>
@@ -5183,7 +5183,7 @@
               <a:effectLst/>
               <a:extLst>
                 <a:ext uri="{C572A759-6A51-4108-AA02-DFA0A04FC94B}">
-                  <ma14:wrappingTextBoxFlag xmlns:ma14="http://schemas.microsoft.com/office/mac/drawingml/2011/main" xmlns:a14="http://schemas.microsoft.com/office/drawing/2010/main" xmlns:m="http://schemas.openxmlformats.org/officeDocument/2006/math" xmlns="" val="1"/>
+                  <ma14:wrappingTextBoxFlag xmlns="" xmlns:m="http://schemas.openxmlformats.org/officeDocument/2006/math" xmlns:a14="http://schemas.microsoft.com/office/drawing/2010/main" xmlns:ma14="http://schemas.microsoft.com/office/mac/drawingml/2011/main" val="1"/>
                 </a:ext>
               </a:extLst>
             </p:spPr>
@@ -5373,7 +5373,7 @@
               <a:effectLst/>
               <a:extLst>
                 <a:ext uri="{C572A759-6A51-4108-AA02-DFA0A04FC94B}">
-                  <ma14:wrappingTextBoxFlag xmlns:ma14="http://schemas.microsoft.com/office/mac/drawingml/2011/main" xmlns:a14="http://schemas.microsoft.com/office/drawing/2010/main" xmlns:m="http://schemas.openxmlformats.org/officeDocument/2006/math" xmlns="" val="1"/>
+                  <ma14:wrappingTextBoxFlag xmlns="" xmlns:m="http://schemas.openxmlformats.org/officeDocument/2006/math" xmlns:a14="http://schemas.microsoft.com/office/drawing/2010/main" xmlns:ma14="http://schemas.microsoft.com/office/mac/drawingml/2011/main" val="1"/>
                 </a:ext>
               </a:extLst>
             </p:spPr>
@@ -5588,7 +5588,7 @@
               <a:effectLst/>
               <a:extLst>
                 <a:ext uri="{C572A759-6A51-4108-AA02-DFA0A04FC94B}">
-                  <ma14:wrappingTextBoxFlag xmlns:ma14="http://schemas.microsoft.com/office/mac/drawingml/2011/main" xmlns:a14="http://schemas.microsoft.com/office/drawing/2010/main" xmlns:m="http://schemas.openxmlformats.org/officeDocument/2006/math" xmlns="" val="1"/>
+                  <ma14:wrappingTextBoxFlag xmlns="" xmlns:m="http://schemas.openxmlformats.org/officeDocument/2006/math" xmlns:a14="http://schemas.microsoft.com/office/drawing/2010/main" xmlns:ma14="http://schemas.microsoft.com/office/mac/drawingml/2011/main" val="1"/>
                 </a:ext>
               </a:extLst>
             </p:spPr>
@@ -5918,10 +5918,10 @@
       </p:sp>
       <p:pic>
         <p:nvPicPr>
-          <p:cNvPr id="12" name="Picture 11">
-            <a:extLst>
-              <a:ext uri="{FF2B5EF4-FFF2-40B4-BE49-F238E27FC236}">
-                <a16:creationId xmlns:a16="http://schemas.microsoft.com/office/drawing/2014/main" id="{C81CA331-8488-034F-8C24-06B978A33CB1}"/>
+          <p:cNvPr id="5" name="Picture 4">
+            <a:extLst>
+              <a:ext uri="{FF2B5EF4-FFF2-40B4-BE49-F238E27FC236}">
+                <a16:creationId xmlns:a16="http://schemas.microsoft.com/office/drawing/2014/main" id="{80675C39-3BA9-9049-9403-C9E7E3E75722}"/>
               </a:ext>
             </a:extLst>
           </p:cNvPr>
@@ -5938,20 +5938,25 @@
         </p:blipFill>
         <p:spPr>
           <a:xfrm>
-            <a:off x="2572498" y="1989158"/>
-            <a:ext cx="3946007" cy="1804850"/>
+            <a:off x="6968770" y="1774235"/>
+            <a:ext cx="3454400" cy="2120900"/>
           </a:xfrm>
           <a:prstGeom prst="rect">
             <a:avLst/>
           </a:prstGeom>
+          <a:ln w="12700">
+            <a:solidFill>
+              <a:schemeClr val="tx1"/>
+            </a:solidFill>
+          </a:ln>
         </p:spPr>
       </p:pic>
       <p:pic>
         <p:nvPicPr>
-          <p:cNvPr id="13" name="Picture 12">
-            <a:extLst>
-              <a:ext uri="{FF2B5EF4-FFF2-40B4-BE49-F238E27FC236}">
-                <a16:creationId xmlns:a16="http://schemas.microsoft.com/office/drawing/2014/main" id="{D86654BC-3639-A241-8424-32ADE37A292A}"/>
+          <p:cNvPr id="7" name="Picture 6">
+            <a:extLst>
+              <a:ext uri="{FF2B5EF4-FFF2-40B4-BE49-F238E27FC236}">
+                <a16:creationId xmlns:a16="http://schemas.microsoft.com/office/drawing/2014/main" id="{D47D0D5B-DC9A-A84A-8F92-B55BC9FBD2DB}"/>
               </a:ext>
             </a:extLst>
           </p:cNvPr>
@@ -5960,21 +5965,568 @@
           </p:cNvPicPr>
           <p:nvPr/>
         </p:nvPicPr>
-        <p:blipFill rotWithShape="1">
+        <p:blipFill>
           <a:blip r:embed="rId3"/>
-          <a:srcRect b="1829"/>
-          <a:stretch/>
+          <a:stretch>
+            <a:fillRect/>
+          </a:stretch>
         </p:blipFill>
         <p:spPr>
           <a:xfrm>
-            <a:off x="6725920" y="1989159"/>
-            <a:ext cx="3901166" cy="1804850"/>
+            <a:off x="2929858" y="1774235"/>
+            <a:ext cx="3251200" cy="2120900"/>
           </a:xfrm>
           <a:prstGeom prst="rect">
             <a:avLst/>
           </a:prstGeom>
+          <a:ln w="12700">
+            <a:solidFill>
+              <a:schemeClr val="tx1"/>
+            </a:solidFill>
+          </a:ln>
         </p:spPr>
       </p:pic>
+      <p:grpSp>
+        <p:nvGrpSpPr>
+          <p:cNvPr id="14" name="Group 13">
+            <a:extLst>
+              <a:ext uri="{FF2B5EF4-FFF2-40B4-BE49-F238E27FC236}">
+                <a16:creationId xmlns:a16="http://schemas.microsoft.com/office/drawing/2014/main" id="{6FC4836B-B2E7-9A4F-BAF3-484301687406}"/>
+              </a:ext>
+            </a:extLst>
+          </p:cNvPr>
+          <p:cNvGrpSpPr>
+            <a:grpSpLocks noChangeAspect="1"/>
+          </p:cNvGrpSpPr>
+          <p:nvPr/>
+        </p:nvGrpSpPr>
+        <p:grpSpPr>
+          <a:xfrm>
+            <a:off x="2989516" y="4023315"/>
+            <a:ext cx="7509974" cy="1368715"/>
+            <a:chOff x="3360126" y="3971848"/>
+            <a:chExt cx="5764444" cy="1050587"/>
+          </a:xfrm>
+        </p:grpSpPr>
+        <p:grpSp>
+          <p:nvGrpSpPr>
+            <p:cNvPr id="15" name="Group 14">
+              <a:extLst>
+                <a:ext uri="{FF2B5EF4-FFF2-40B4-BE49-F238E27FC236}">
+                  <a16:creationId xmlns:a16="http://schemas.microsoft.com/office/drawing/2014/main" id="{36BBB4AB-F6DC-4347-A499-0C53D9B89DD6}"/>
+                </a:ext>
+              </a:extLst>
+            </p:cNvPr>
+            <p:cNvGrpSpPr/>
+            <p:nvPr/>
+          </p:nvGrpSpPr>
+          <p:grpSpPr>
+            <a:xfrm>
+              <a:off x="3360126" y="4351394"/>
+              <a:ext cx="2735874" cy="284312"/>
+              <a:chOff x="7237110" y="4300317"/>
+              <a:chExt cx="2735874" cy="284312"/>
+            </a:xfrm>
+          </p:grpSpPr>
+          <p:sp>
+            <p:nvSpPr>
+              <p:cNvPr id="20" name="Intelligent Information Retrieval Laboratory">
+                <a:extLst>
+                  <a:ext uri="{FF2B5EF4-FFF2-40B4-BE49-F238E27FC236}">
+                    <a16:creationId xmlns:a16="http://schemas.microsoft.com/office/drawing/2014/main" id="{16790F80-2E68-804C-A168-BB096228B608}"/>
+                  </a:ext>
+                </a:extLst>
+              </p:cNvPr>
+              <p:cNvSpPr txBox="1"/>
+              <p:nvPr/>
+            </p:nvSpPr>
+            <p:spPr>
+              <a:xfrm>
+                <a:off x="7237110" y="4300317"/>
+                <a:ext cx="2590800" cy="276106"/>
+              </a:xfrm>
+              <a:prstGeom prst="rect">
+                <a:avLst/>
+              </a:prstGeom>
+              <a:noFill/>
+              <a:ln w="12700" cap="flat">
+                <a:noFill/>
+                <a:miter lim="400000"/>
+              </a:ln>
+              <a:effectLst/>
+              <a:extLst>
+                <a:ext uri="{C572A759-6A51-4108-AA02-DFA0A04FC94B}">
+                  <ma14:wrappingTextBoxFlag xmlns="" xmlns:m="http://schemas.openxmlformats.org/officeDocument/2006/math" xmlns:a14="http://schemas.microsoft.com/office/drawing/2010/main" xmlns:ma14="http://schemas.microsoft.com/office/mac/drawingml/2011/main" val="1"/>
+                </a:ext>
+              </a:extLst>
+            </p:spPr>
+            <p:txBody>
+              <a:bodyPr wrap="square" lIns="71437" tIns="71437" rIns="71437" bIns="71437" numCol="1" anchor="ctr">
+                <a:spAutoFit/>
+              </a:bodyPr>
+              <a:lstStyle>
+                <a:lvl1pPr algn="l" defTabSz="821531">
+                  <a:defRPr sz="2400" b="0">
+                    <a:solidFill>
+                      <a:srgbClr val="FFFFFF"/>
+                    </a:solidFill>
+                    <a:latin typeface="Helvetica Neue Bold Condensed"/>
+                    <a:ea typeface="Helvetica Neue Bold Condensed"/>
+                    <a:cs typeface="Helvetica Neue Bold Condensed"/>
+                    <a:sym typeface="Helvetica Neue Bold Condensed"/>
+                  </a:defRPr>
+                </a:lvl1pPr>
+              </a:lstStyle>
+              <a:p>
+                <a:r>
+                  <a:rPr kumimoji="0" lang="zh-TW" altLang="en-US" sz="1050" b="0" i="0" u="none" strike="noStrike" cap="none" spc="0" normalizeH="0" baseline="0" dirty="0">
+                    <a:ln>
+                      <a:noFill/>
+                    </a:ln>
+                    <a:solidFill>
+                      <a:schemeClr val="tx1">
+                        <a:alpha val="15000"/>
+                      </a:schemeClr>
+                    </a:solidFill>
+                    <a:effectLst/>
+                    <a:uFillTx/>
+                    <a:latin typeface="Helvetica Neue Bold Condensed"/>
+                    <a:ea typeface="Helvetica Neue Bold Condensed"/>
+                    <a:cs typeface="Helvetica Neue Bold Condensed"/>
+                    <a:sym typeface="Helvetica Neue Bold Condensed"/>
+                  </a:rPr>
+                  <a:t>第</a:t>
+                </a:r>
+                <a:r>
+                  <a:rPr kumimoji="0" lang="en-US" altLang="zh-TW" sz="1050" b="0" i="0" u="none" strike="noStrike" cap="none" spc="0" normalizeH="0" baseline="0" dirty="0">
+                    <a:ln>
+                      <a:noFill/>
+                    </a:ln>
+                    <a:solidFill>
+                      <a:schemeClr val="tx1">
+                        <a:alpha val="15000"/>
+                      </a:schemeClr>
+                    </a:solidFill>
+                    <a:effectLst/>
+                    <a:uFillTx/>
+                    <a:latin typeface="Helvetica Neue Bold Condensed"/>
+                    <a:ea typeface="Helvetica Neue Bold Condensed"/>
+                    <a:cs typeface="Helvetica Neue Bold Condensed"/>
+                    <a:sym typeface="Helvetica Neue Bold Condensed"/>
+                  </a:rPr>
+                  <a:t>13</a:t>
+                </a:r>
+                <a:r>
+                  <a:rPr kumimoji="0" lang="zh-TW" altLang="en-US" sz="1050" b="0" i="0" u="none" strike="noStrike" cap="none" spc="0" normalizeH="0" baseline="0" dirty="0">
+                    <a:ln>
+                      <a:noFill/>
+                    </a:ln>
+                    <a:solidFill>
+                      <a:schemeClr val="tx1">
+                        <a:alpha val="15000"/>
+                      </a:schemeClr>
+                    </a:solidFill>
+                    <a:effectLst/>
+                    <a:uFillTx/>
+                    <a:latin typeface="Helvetica Neue Bold Condensed"/>
+                    <a:ea typeface="Helvetica Neue Bold Condensed"/>
+                    <a:cs typeface="Helvetica Neue Bold Condensed"/>
+                    <a:sym typeface="Helvetica Neue Bold Condensed"/>
+                  </a:rPr>
+                  <a:t>屆 </a:t>
+                </a:r>
+                <a:r>
+                  <a:rPr kumimoji="0" lang="en-US" sz="1400" b="0" i="0" u="none" strike="noStrike" cap="none" spc="0" normalizeH="0" baseline="0" dirty="0">
+                    <a:ln>
+                      <a:noFill/>
+                    </a:ln>
+                    <a:solidFill>
+                      <a:schemeClr val="tx1">
+                        <a:alpha val="15000"/>
+                      </a:schemeClr>
+                    </a:solidFill>
+                    <a:effectLst/>
+                    <a:uFillTx/>
+                    <a:latin typeface="Helvetica Neue Bold Condensed"/>
+                    <a:ea typeface="Helvetica Neue Bold Condensed"/>
+                    <a:cs typeface="Helvetica Neue Bold Condensed"/>
+                    <a:sym typeface="Helvetica Neue Bold Condensed"/>
+                  </a:rPr>
+                  <a:t>iT</a:t>
+                </a:r>
+                <a:r>
+                  <a:rPr kumimoji="0" lang="zh-TW" altLang="en-US" sz="1200" b="0" i="0" u="none" strike="noStrike" cap="none" spc="0" normalizeH="0" baseline="0" dirty="0">
+                    <a:ln>
+                      <a:noFill/>
+                    </a:ln>
+                    <a:solidFill>
+                      <a:schemeClr val="tx1">
+                        <a:alpha val="15000"/>
+                      </a:schemeClr>
+                    </a:solidFill>
+                    <a:effectLst/>
+                    <a:uFillTx/>
+                    <a:latin typeface="Helvetica Neue Bold Condensed"/>
+                    <a:ea typeface="Helvetica Neue Bold Condensed"/>
+                    <a:cs typeface="Helvetica Neue Bold Condensed"/>
+                    <a:sym typeface="Helvetica Neue Bold Condensed"/>
+                  </a:rPr>
+                  <a:t>邦</a:t>
+                </a:r>
+                <a:r>
+                  <a:rPr kumimoji="0" lang="zh-TW" altLang="en-US" sz="1050" b="0" i="0" u="none" strike="noStrike" cap="none" spc="0" normalizeH="0" baseline="0" dirty="0">
+                    <a:ln>
+                      <a:noFill/>
+                    </a:ln>
+                    <a:solidFill>
+                      <a:schemeClr val="tx1">
+                        <a:alpha val="15000"/>
+                      </a:schemeClr>
+                    </a:solidFill>
+                    <a:effectLst/>
+                    <a:uFillTx/>
+                    <a:latin typeface="Helvetica Neue Bold Condensed"/>
+                    <a:ea typeface="Helvetica Neue Bold Condensed"/>
+                    <a:cs typeface="Helvetica Neue Bold Condensed"/>
+                    <a:sym typeface="Helvetica Neue Bold Condensed"/>
+                  </a:rPr>
+                  <a:t>幫忙</a:t>
+                </a:r>
+                <a:r>
+                  <a:rPr kumimoji="0" lang="zh-TW" altLang="en-US" sz="1200" b="0" i="0" u="none" strike="noStrike" cap="none" spc="0" normalizeH="0" baseline="0" dirty="0">
+                    <a:ln>
+                      <a:noFill/>
+                    </a:ln>
+                    <a:solidFill>
+                      <a:schemeClr val="tx1">
+                        <a:alpha val="15000"/>
+                      </a:schemeClr>
+                    </a:solidFill>
+                    <a:effectLst/>
+                    <a:uFillTx/>
+                    <a:sym typeface="Helvetica Neue Bold Condensed"/>
+                  </a:rPr>
+                  <a:t> 鐵人賽</a:t>
+                </a:r>
+                <a:endParaRPr sz="1200" dirty="0">
+                  <a:solidFill>
+                    <a:schemeClr val="tx1">
+                      <a:alpha val="15000"/>
+                    </a:schemeClr>
+                  </a:solidFill>
+                </a:endParaRPr>
+              </a:p>
+            </p:txBody>
+          </p:sp>
+          <p:sp>
+            <p:nvSpPr>
+              <p:cNvPr id="21" name="Intelligent Information Retrieval Laboratory">
+                <a:extLst>
+                  <a:ext uri="{FF2B5EF4-FFF2-40B4-BE49-F238E27FC236}">
+                    <a16:creationId xmlns:a16="http://schemas.microsoft.com/office/drawing/2014/main" id="{FCC9C63A-6F48-AD42-8C11-54DE84902814}"/>
+                  </a:ext>
+                </a:extLst>
+              </p:cNvPr>
+              <p:cNvSpPr txBox="1"/>
+              <p:nvPr/>
+            </p:nvSpPr>
+            <p:spPr>
+              <a:xfrm>
+                <a:off x="8753784" y="4343960"/>
+                <a:ext cx="1219200" cy="240669"/>
+              </a:xfrm>
+              <a:prstGeom prst="rect">
+                <a:avLst/>
+              </a:prstGeom>
+              <a:noFill/>
+              <a:ln w="12700" cap="flat">
+                <a:noFill/>
+                <a:miter lim="400000"/>
+              </a:ln>
+              <a:effectLst/>
+              <a:extLst>
+                <a:ext uri="{C572A759-6A51-4108-AA02-DFA0A04FC94B}">
+                  <ma14:wrappingTextBoxFlag xmlns="" xmlns:m="http://schemas.openxmlformats.org/officeDocument/2006/math" xmlns:a14="http://schemas.microsoft.com/office/drawing/2010/main" xmlns:ma14="http://schemas.microsoft.com/office/mac/drawingml/2011/main" val="1"/>
+                </a:ext>
+              </a:extLst>
+            </p:spPr>
+            <p:txBody>
+              <a:bodyPr wrap="square" lIns="71437" tIns="71437" rIns="71437" bIns="71437" numCol="1" anchor="ctr">
+                <a:spAutoFit/>
+              </a:bodyPr>
+              <a:lstStyle>
+                <a:lvl1pPr algn="l" defTabSz="821531">
+                  <a:defRPr sz="2400" b="0">
+                    <a:solidFill>
+                      <a:srgbClr val="FFFFFF"/>
+                    </a:solidFill>
+                    <a:latin typeface="Helvetica Neue Bold Condensed"/>
+                    <a:ea typeface="Helvetica Neue Bold Condensed"/>
+                    <a:cs typeface="Helvetica Neue Bold Condensed"/>
+                    <a:sym typeface="Helvetica Neue Bold Condensed"/>
+                  </a:defRPr>
+                </a:lvl1pPr>
+              </a:lstStyle>
+              <a:p>
+                <a:r>
+                  <a:rPr kumimoji="0" lang="en-US" altLang="zh-TW" sz="1100" b="0" i="0" u="none" strike="noStrike" cap="none" spc="0" normalizeH="0" baseline="0" dirty="0">
+                    <a:ln>
+                      <a:noFill/>
+                    </a:ln>
+                    <a:solidFill>
+                      <a:schemeClr val="tx1">
+                        <a:alpha val="15000"/>
+                      </a:schemeClr>
+                    </a:solidFill>
+                    <a:effectLst/>
+                    <a:uFillTx/>
+                    <a:latin typeface="Helvetica Neue Bold Condensed"/>
+                    <a:ea typeface="Helvetica Neue Bold Condensed"/>
+                    <a:cs typeface="Helvetica Neue Bold Condensed"/>
+                    <a:sym typeface="Helvetica Neue Bold Condensed"/>
+                  </a:rPr>
+                  <a:t>AI &amp; Data </a:t>
+                </a:r>
+                <a:r>
+                  <a:rPr kumimoji="0" lang="zh-TW" altLang="en-US" sz="1100" b="0" i="0" u="none" strike="noStrike" cap="none" spc="0" normalizeH="0" baseline="0" dirty="0">
+                    <a:ln>
+                      <a:noFill/>
+                    </a:ln>
+                    <a:solidFill>
+                      <a:schemeClr val="tx1">
+                        <a:alpha val="15000"/>
+                      </a:schemeClr>
+                    </a:solidFill>
+                    <a:effectLst/>
+                    <a:uFillTx/>
+                    <a:latin typeface="Helvetica Neue Bold Condensed"/>
+                    <a:ea typeface="Helvetica Neue Bold Condensed"/>
+                    <a:cs typeface="Helvetica Neue Bold Condensed"/>
+                    <a:sym typeface="Helvetica Neue Bold Condensed"/>
+                  </a:rPr>
+                  <a:t>組</a:t>
+                </a:r>
+                <a:endParaRPr sz="1200" dirty="0">
+                  <a:solidFill>
+                    <a:schemeClr val="tx1">
+                      <a:alpha val="15000"/>
+                    </a:schemeClr>
+                  </a:solidFill>
+                </a:endParaRPr>
+              </a:p>
+            </p:txBody>
+          </p:sp>
+        </p:grpSp>
+        <p:grpSp>
+          <p:nvGrpSpPr>
+            <p:cNvPr id="16" name="Group 15">
+              <a:extLst>
+                <a:ext uri="{FF2B5EF4-FFF2-40B4-BE49-F238E27FC236}">
+                  <a16:creationId xmlns:a16="http://schemas.microsoft.com/office/drawing/2014/main" id="{CB8123D5-3BAE-5548-9E5D-1301C2F39E8C}"/>
+                </a:ext>
+              </a:extLst>
+            </p:cNvPr>
+            <p:cNvGrpSpPr/>
+            <p:nvPr/>
+          </p:nvGrpSpPr>
+          <p:grpSpPr>
+            <a:xfrm>
+              <a:off x="7247835" y="3971848"/>
+              <a:ext cx="1876735" cy="1050587"/>
+              <a:chOff x="3891792" y="3940042"/>
+              <a:chExt cx="1876735" cy="1050587"/>
+            </a:xfrm>
+          </p:grpSpPr>
+          <p:pic>
+            <p:nvPicPr>
+              <p:cNvPr id="17" name="Picture 16">
+                <a:extLst>
+                  <a:ext uri="{FF2B5EF4-FFF2-40B4-BE49-F238E27FC236}">
+                    <a16:creationId xmlns:a16="http://schemas.microsoft.com/office/drawing/2014/main" id="{1D252B0E-BA2A-CF4E-8DA3-B88F11551935}"/>
+                  </a:ext>
+                </a:extLst>
+              </p:cNvPr>
+              <p:cNvPicPr>
+                <a:picLocks noChangeAspect="1" noChangeArrowheads="1"/>
+              </p:cNvPicPr>
+              <p:nvPr/>
+            </p:nvPicPr>
+            <p:blipFill>
+              <a:blip r:embed="rId4">
+                <a:duotone>
+                  <a:prstClr val="black"/>
+                  <a:schemeClr val="tx1">
+                    <a:tint val="45000"/>
+                    <a:satMod val="400000"/>
+                  </a:schemeClr>
+                </a:duotone>
+                <a:alphaModFix amt="20000"/>
+              </a:blip>
+              <a:srcRect/>
+              <a:stretch/>
+            </p:blipFill>
+            <p:spPr bwMode="auto">
+              <a:xfrm>
+                <a:off x="4489805" y="3940042"/>
+                <a:ext cx="1050587" cy="1050587"/>
+              </a:xfrm>
+              <a:prstGeom prst="rect">
+                <a:avLst/>
+              </a:prstGeom>
+              <a:noFill/>
+              <a:extLst>
+                <a:ext uri="{909E8E84-426E-40DD-AFC4-6F175D3DCCD1}">
+                  <a14:hiddenFill xmlns:a14="http://schemas.microsoft.com/office/drawing/2010/main">
+                    <a:solidFill>
+                      <a:srgbClr val="FFFFFF"/>
+                    </a:solidFill>
+                  </a14:hiddenFill>
+                </a:ext>
+              </a:extLst>
+            </p:spPr>
+          </p:pic>
+          <p:pic>
+            <p:nvPicPr>
+              <p:cNvPr id="18" name="Picture 4" descr="Youtube logo | Logok">
+                <a:extLst>
+                  <a:ext uri="{FF2B5EF4-FFF2-40B4-BE49-F238E27FC236}">
+                    <a16:creationId xmlns:a16="http://schemas.microsoft.com/office/drawing/2014/main" id="{4B9125B5-4C19-C944-84B8-559355699406}"/>
+                  </a:ext>
+                </a:extLst>
+              </p:cNvPr>
+              <p:cNvPicPr>
+                <a:picLocks noChangeAspect="1" noChangeArrowheads="1"/>
+              </p:cNvPicPr>
+              <p:nvPr/>
+            </p:nvPicPr>
+            <p:blipFill>
+              <a:blip r:embed="rId5">
+                <a:alphaModFix amt="20000"/>
+                <a:extLst>
+                  <a:ext uri="{28A0092B-C50C-407E-A947-70E740481C1C}">
+                    <a14:useLocalDpi xmlns:a14="http://schemas.microsoft.com/office/drawing/2010/main" val="0"/>
+                  </a:ext>
+                </a:extLst>
+              </a:blip>
+              <a:srcRect/>
+              <a:stretch>
+                <a:fillRect/>
+              </a:stretch>
+            </p:blipFill>
+            <p:spPr bwMode="auto">
+              <a:xfrm>
+                <a:off x="3891792" y="4187926"/>
+                <a:ext cx="739756" cy="554817"/>
+              </a:xfrm>
+              <a:prstGeom prst="rect">
+                <a:avLst/>
+              </a:prstGeom>
+              <a:noFill/>
+              <a:extLst>
+                <a:ext uri="{909E8E84-426E-40DD-AFC4-6F175D3DCCD1}">
+                  <a14:hiddenFill xmlns:a14="http://schemas.microsoft.com/office/drawing/2010/main">
+                    <a:solidFill>
+                      <a:srgbClr val="FFFFFF"/>
+                    </a:solidFill>
+                  </a14:hiddenFill>
+                </a:ext>
+              </a:extLst>
+            </p:spPr>
+          </p:pic>
+          <p:sp>
+            <p:nvSpPr>
+              <p:cNvPr id="19" name="Intelligent Information Retrieval Laboratory">
+                <a:extLst>
+                  <a:ext uri="{FF2B5EF4-FFF2-40B4-BE49-F238E27FC236}">
+                    <a16:creationId xmlns:a16="http://schemas.microsoft.com/office/drawing/2014/main" id="{94EBA392-BE50-4A4A-922E-CC1340A5BE33}"/>
+                  </a:ext>
+                </a:extLst>
+              </p:cNvPr>
+              <p:cNvSpPr txBox="1"/>
+              <p:nvPr/>
+            </p:nvSpPr>
+            <p:spPr>
+              <a:xfrm>
+                <a:off x="4549327" y="4335014"/>
+                <a:ext cx="1219200" cy="276106"/>
+              </a:xfrm>
+              <a:prstGeom prst="rect">
+                <a:avLst/>
+              </a:prstGeom>
+              <a:noFill/>
+              <a:ln w="12700" cap="flat">
+                <a:noFill/>
+                <a:miter lim="400000"/>
+              </a:ln>
+              <a:effectLst/>
+              <a:extLst>
+                <a:ext uri="{C572A759-6A51-4108-AA02-DFA0A04FC94B}">
+                  <ma14:wrappingTextBoxFlag xmlns="" xmlns:m="http://schemas.openxmlformats.org/officeDocument/2006/math" xmlns:a14="http://schemas.microsoft.com/office/drawing/2010/main" xmlns:ma14="http://schemas.microsoft.com/office/mac/drawingml/2011/main" val="1"/>
+                </a:ext>
+              </a:extLst>
+            </p:spPr>
+            <p:txBody>
+              <a:bodyPr wrap="square" lIns="71437" tIns="71437" rIns="71437" bIns="71437" numCol="1" anchor="ctr">
+                <a:spAutoFit/>
+              </a:bodyPr>
+              <a:lstStyle>
+                <a:lvl1pPr algn="l" defTabSz="821531">
+                  <a:defRPr sz="2400" b="0">
+                    <a:solidFill>
+                      <a:srgbClr val="FFFFFF"/>
+                    </a:solidFill>
+                    <a:latin typeface="Helvetica Neue Bold Condensed"/>
+                    <a:ea typeface="Helvetica Neue Bold Condensed"/>
+                    <a:cs typeface="Helvetica Neue Bold Condensed"/>
+                    <a:sym typeface="Helvetica Neue Bold Condensed"/>
+                  </a:defRPr>
+                </a:lvl1pPr>
+              </a:lstStyle>
+              <a:p>
+                <a:r>
+                  <a:rPr kumimoji="0" lang="en-US" altLang="zh-TW" sz="1400" b="0" i="0" u="none" strike="noStrike" cap="none" spc="0" normalizeH="0" baseline="0" dirty="0">
+                    <a:ln>
+                      <a:noFill/>
+                    </a:ln>
+                    <a:solidFill>
+                      <a:schemeClr val="tx1">
+                        <a:alpha val="15000"/>
+                      </a:schemeClr>
+                    </a:solidFill>
+                    <a:effectLst/>
+                    <a:uFillTx/>
+                    <a:sym typeface="Helvetica Neue Bold Condensed"/>
+                  </a:rPr>
+                  <a:t>10</a:t>
+                </a:r>
+                <a:r>
+                  <a:rPr kumimoji="0" lang="zh-TW" altLang="en-US" sz="1400" b="0" i="0" u="none" strike="noStrike" cap="none" spc="0" normalizeH="0" baseline="0" dirty="0">
+                    <a:ln>
+                      <a:noFill/>
+                    </a:ln>
+                    <a:solidFill>
+                      <a:schemeClr val="tx1">
+                        <a:alpha val="15000"/>
+                      </a:schemeClr>
+                    </a:solidFill>
+                    <a:effectLst/>
+                    <a:uFillTx/>
+                    <a:sym typeface="Helvetica Neue Bold Condensed"/>
+                  </a:rPr>
+                  <a:t>程式中</a:t>
+                </a:r>
+                <a:endParaRPr sz="1600" dirty="0">
+                  <a:solidFill>
+                    <a:schemeClr val="tx1">
+                      <a:alpha val="15000"/>
+                    </a:schemeClr>
+                  </a:solidFill>
+                </a:endParaRPr>
+              </a:p>
+            </p:txBody>
+          </p:sp>
+        </p:grpSp>
+      </p:grpSp>
     </p:spTree>
     <p:extLst>
       <p:ext uri="{BB962C8B-B14F-4D97-AF65-F5344CB8AC3E}">
